--- a/ML6_Arboles_decision.pptx
+++ b/ML6_Arboles_decision.pptx
@@ -233,7 +233,7 @@
           <a:p>
             <a:fld id="{0FB436C5-5EA3-48AA-8108-4C26E2A1C4C9}" type="datetimeFigureOut">
               <a:rPr lang="es-ES" smtClean="0"/>
-              <a:t>23/01/2026</a:t>
+              <a:t>25/01/2026</a:t>
             </a:fld>
             <a:endParaRPr lang="es-ES"/>
           </a:p>
@@ -35926,7 +35926,7 @@
           <a:p>
             <a:fld id="{BFCDF831-34AB-4DC0-ABA1-EBD072B2C37E}" type="datetime2">
               <a:rPr lang="es-ES" smtClean="0"/>
-              <a:t>viernes, 23 de enero de 2026</a:t>
+              <a:t>domingo, 25 de enero de 2026</a:t>
             </a:fld>
             <a:endParaRPr lang="en-US" dirty="0"/>
           </a:p>
@@ -37905,7 +37905,7 @@
             </a:r>
             <a:r>
               <a:rPr lang="es-ES" dirty="0"/>
-              <a:t> manejados (árboles los manejan, pero conscientemente)</a:t>
+              <a:t> manejados (árboles los manejan)</a:t>
             </a:r>
           </a:p>
           <a:p>
@@ -37965,7 +37965,14 @@
             </a:r>
             <a:r>
               <a:rPr lang="es-ES" dirty="0"/>
-              <a:t> (ejemplo: profundidad del árbol)</a:t>
+              <a:t> (ejemplo: </a:t>
+            </a:r>
+          </a:p>
+          <a:p>
+            <a:pPr latinLnBrk="1"/>
+            <a:r>
+              <a:rPr lang="es-ES" dirty="0"/>
+              <a:t>profundidad del árbol)</a:t>
             </a:r>
           </a:p>
           <a:p>
